--- a/doc/slides/Robot-Arm-Forward-Kinematics-Matlab-Code.pptx
+++ b/doc/slides/Robot-Arm-Forward-Kinematics-Matlab-Code.pptx
@@ -917,7 +917,7 @@
           <a:p>
             <a:r>
               <a:rPr kumimoji="1" lang="en-US" altLang="ja-JP"/>
-              <a:t>K.Naruse(UAizu) Robot Arm Forward Kinematics: C++ Coding</a:t>
+              <a:t>K.Naruse(UAizu) Robot Arm Forward Kinematics: Matlab Coding</a:t>
             </a:r>
             <a:endParaRPr kumimoji="1" lang="ja-JP" altLang="en-US"/>
           </a:p>
@@ -1129,7 +1129,7 @@
           <a:p>
             <a:r>
               <a:rPr kumimoji="1" lang="en-US" altLang="ja-JP"/>
-              <a:t>K.Naruse(UAizu) Robot Arm Forward Kinematics: C++ Coding</a:t>
+              <a:t>K.Naruse(UAizu) Robot Arm Forward Kinematics: Matlab Coding</a:t>
             </a:r>
             <a:endParaRPr kumimoji="1" lang="ja-JP" altLang="en-US"/>
           </a:p>
@@ -1346,7 +1346,7 @@
           <a:p>
             <a:r>
               <a:rPr kumimoji="1" lang="en-US" altLang="ja-JP"/>
-              <a:t>K.Naruse(UAizu) Robot Arm Forward Kinematics: C++ Coding</a:t>
+              <a:t>K.Naruse(UAizu) Robot Arm Forward Kinematics: Matlab Coding</a:t>
             </a:r>
             <a:endParaRPr kumimoji="1" lang="ja-JP" altLang="en-US"/>
           </a:p>
@@ -1582,7 +1582,7 @@
           <a:p>
             <a:r>
               <a:rPr kumimoji="1" lang="en-US" altLang="ja-JP"/>
-              <a:t>K.Naruse(UAizu) Robot Arm Forward Kinematics: C++ Coding</a:t>
+              <a:t>K.Naruse(UAizu) Robot Arm Forward Kinematics: Matlab Coding</a:t>
             </a:r>
             <a:endParaRPr kumimoji="1" lang="ja-JP" altLang="en-US" dirty="0"/>
           </a:p>
@@ -1837,7 +1837,7 @@
           <a:p>
             <a:r>
               <a:rPr kumimoji="1" lang="en-US" altLang="ja-JP"/>
-              <a:t>K.Naruse(UAizu) Robot Arm Forward Kinematics: C++ Coding</a:t>
+              <a:t>K.Naruse(UAizu) Robot Arm Forward Kinematics: Matlab Coding</a:t>
             </a:r>
             <a:endParaRPr kumimoji="1" lang="ja-JP" altLang="en-US"/>
           </a:p>
@@ -2199,7 +2199,7 @@
           <a:p>
             <a:r>
               <a:rPr kumimoji="1" lang="en-US" altLang="ja-JP"/>
-              <a:t>K.Naruse(UAizu) Robot Arm Forward Kinematics: C++ Coding</a:t>
+              <a:t>K.Naruse(UAizu) Robot Arm Forward Kinematics: Matlab Coding</a:t>
             </a:r>
             <a:endParaRPr kumimoji="1" lang="ja-JP" altLang="en-US"/>
           </a:p>
@@ -2700,7 +2700,7 @@
           <a:p>
             <a:r>
               <a:rPr kumimoji="1" lang="en-US" altLang="ja-JP"/>
-              <a:t>K.Naruse(UAizu) Robot Arm Forward Kinematics: C++ Coding</a:t>
+              <a:t>K.Naruse(UAizu) Robot Arm Forward Kinematics: Matlab Coding</a:t>
             </a:r>
             <a:endParaRPr kumimoji="1" lang="ja-JP" altLang="en-US"/>
           </a:p>
@@ -2828,7 +2828,7 @@
           <a:p>
             <a:r>
               <a:rPr kumimoji="1" lang="en-US" altLang="ja-JP"/>
-              <a:t>K.Naruse(UAizu) Robot Arm Forward Kinematics: C++ Coding</a:t>
+              <a:t>K.Naruse(UAizu) Robot Arm Forward Kinematics: Matlab Coding</a:t>
             </a:r>
             <a:endParaRPr kumimoji="1" lang="ja-JP" altLang="en-US"/>
           </a:p>
@@ -2927,7 +2927,7 @@
           <a:p>
             <a:r>
               <a:rPr kumimoji="1" lang="en-US" altLang="ja-JP"/>
-              <a:t>K.Naruse(UAizu) Robot Arm Forward Kinematics: C++ Coding</a:t>
+              <a:t>K.Naruse(UAizu) Robot Arm Forward Kinematics: Matlab Coding</a:t>
             </a:r>
             <a:endParaRPr kumimoji="1" lang="ja-JP" altLang="en-US"/>
           </a:p>
@@ -3244,7 +3244,7 @@
           <a:p>
             <a:r>
               <a:rPr kumimoji="1" lang="en-US" altLang="ja-JP"/>
-              <a:t>K.Naruse(UAizu) Robot Arm Forward Kinematics: C++ Coding</a:t>
+              <a:t>K.Naruse(UAizu) Robot Arm Forward Kinematics: Matlab Coding</a:t>
             </a:r>
             <a:endParaRPr kumimoji="1" lang="ja-JP" altLang="en-US"/>
           </a:p>
@@ -3509,7 +3509,7 @@
           <a:p>
             <a:r>
               <a:rPr kumimoji="1" lang="en-US" altLang="ja-JP"/>
-              <a:t>K.Naruse(UAizu) Robot Arm Forward Kinematics: C++ Coding</a:t>
+              <a:t>K.Naruse(UAizu) Robot Arm Forward Kinematics: Matlab Coding</a:t>
             </a:r>
             <a:endParaRPr kumimoji="1" lang="ja-JP" altLang="en-US"/>
           </a:p>
@@ -3770,7 +3770,7 @@
           <a:p>
             <a:r>
               <a:rPr lang="en-US" altLang="ja-JP"/>
-              <a:t>K.Naruse(UAizu) Robot Arm Forward Kinematics: C++ Coding</a:t>
+              <a:t>K.Naruse(UAizu) Robot Arm Forward Kinematics: Matlab Coding</a:t>
             </a:r>
             <a:endParaRPr lang="ja-JP" altLang="en-US" dirty="0"/>
           </a:p>
@@ -6208,7 +6208,7 @@
           <a:p>
             <a:r>
               <a:rPr kumimoji="1" lang="en-US" altLang="ja-JP"/>
-              <a:t>K.Naruse(UAizu) Robot Arm Forward Kinematics: C++ Coding</a:t>
+              <a:t>K.Naruse(UAizu) Robot Arm Forward Kinematics: Matlab Coding</a:t>
             </a:r>
             <a:endParaRPr kumimoji="1" lang="ja-JP" altLang="en-US"/>
           </a:p>
@@ -8498,7 +8498,7 @@
           <a:p>
             <a:r>
               <a:rPr kumimoji="1" lang="en-US" altLang="ja-JP"/>
-              <a:t>K.Naruse(UAizu) Robot Arm Forward Kinematics: C++ Coding</a:t>
+              <a:t>K.Naruse(UAizu) Robot Arm Forward Kinematics: Matlab Coding</a:t>
             </a:r>
             <a:endParaRPr kumimoji="1" lang="ja-JP" altLang="en-US"/>
           </a:p>
@@ -8547,7 +8547,7 @@
         </p:nvSpPr>
         <p:spPr>
           <a:xfrm>
-            <a:off x="4655840" y="1740872"/>
+            <a:off x="4655840" y="1628800"/>
             <a:ext cx="6610944" cy="3416320"/>
           </a:xfrm>
           <a:prstGeom prst="rect">
@@ -8808,7 +8808,7 @@
         </p:nvCxnSpPr>
         <p:spPr>
           <a:xfrm>
-            <a:off x="6632420" y="5397872"/>
+            <a:off x="6632420" y="5320928"/>
             <a:ext cx="1047756" cy="13816"/>
           </a:xfrm>
           <a:prstGeom prst="straightConnector1">
@@ -8851,13 +8851,13 @@
           <p:nvPr>
             <p:extLst>
               <p:ext uri="{D42A27DB-BD31-4B8C-83A1-F6EECF244321}">
-                <p14:modId xmlns:p14="http://schemas.microsoft.com/office/powerpoint/2010/main" val="2337702746"/>
+                <p14:modId xmlns:p14="http://schemas.microsoft.com/office/powerpoint/2010/main" val="1664448380"/>
               </p:ext>
             </p:extLst>
           </p:nvPr>
         </p:nvGraphicFramePr>
         <p:xfrm>
-          <a:off x="5299160" y="5207522"/>
+          <a:off x="5299160" y="5130578"/>
           <a:ext cx="1333260" cy="380700"/>
         </p:xfrm>
         <a:graphic>
@@ -8891,7 +8891,7 @@
                     </p:blipFill>
                     <p:spPr>
                       <a:xfrm>
-                        <a:off x="5299160" y="5207522"/>
+                        <a:off x="5299160" y="5130578"/>
                         <a:ext cx="1333260" cy="380700"/>
                       </a:xfrm>
                       <a:prstGeom prst="rect">
@@ -8920,13 +8920,13 @@
           <p:nvPr>
             <p:extLst>
               <p:ext uri="{D42A27DB-BD31-4B8C-83A1-F6EECF244321}">
-                <p14:modId xmlns:p14="http://schemas.microsoft.com/office/powerpoint/2010/main" val="2707041588"/>
+                <p14:modId xmlns:p14="http://schemas.microsoft.com/office/powerpoint/2010/main" val="2167716665"/>
               </p:ext>
             </p:extLst>
           </p:nvPr>
         </p:nvGraphicFramePr>
         <p:xfrm>
-          <a:off x="7680176" y="4802088"/>
+          <a:off x="7680176" y="4725144"/>
           <a:ext cx="2266950" cy="1219200"/>
         </p:xfrm>
         <a:graphic>
@@ -8960,7 +8960,7 @@
                     </p:blipFill>
                     <p:spPr>
                       <a:xfrm>
-                        <a:off x="7680176" y="4802088"/>
+                        <a:off x="7680176" y="4725144"/>
                         <a:ext cx="2266950" cy="1219200"/>
                       </a:xfrm>
                       <a:prstGeom prst="rect">
@@ -8988,7 +8988,7 @@
         </p:nvSpPr>
         <p:spPr>
           <a:xfrm>
-            <a:off x="6612292" y="5543512"/>
+            <a:off x="6612292" y="5466568"/>
             <a:ext cx="1037463" cy="369332"/>
           </a:xfrm>
           <a:prstGeom prst="rect">
@@ -9015,6 +9015,45 @@
               <a:t>(q)</a:t>
             </a:r>
             <a:endParaRPr kumimoji="1" lang="ja-JP" altLang="en-US" dirty="0"/>
+          </a:p>
+        </p:txBody>
+      </p:sp>
+      <p:sp>
+        <p:nvSpPr>
+          <p:cNvPr id="15" name="テキスト ボックス 14">
+            <a:extLst>
+              <a:ext uri="{FF2B5EF4-FFF2-40B4-BE49-F238E27FC236}">
+                <a16:creationId xmlns:a16="http://schemas.microsoft.com/office/drawing/2014/main" id="{9E8821A1-F102-442C-B341-CDE11A9C301F}"/>
+              </a:ext>
+            </a:extLst>
+          </p:cNvPr>
+          <p:cNvSpPr txBox="1"/>
+          <p:nvPr/>
+        </p:nvSpPr>
+        <p:spPr>
+          <a:xfrm>
+            <a:off x="609600" y="5960313"/>
+            <a:ext cx="11031016" cy="276999"/>
+          </a:xfrm>
+          <a:prstGeom prst="rect">
+            <a:avLst/>
+          </a:prstGeom>
+          <a:noFill/>
+        </p:spPr>
+        <p:txBody>
+          <a:bodyPr wrap="square">
+            <a:spAutoFit/>
+          </a:bodyPr>
+          <a:lstStyle/>
+          <a:p>
+            <a:r>
+              <a:rPr lang="en-US" altLang="ja-JP" sz="1200" dirty="0"/>
+              <a:t>Code is available at </a:t>
+            </a:r>
+            <a:r>
+              <a:rPr lang="ja-JP" altLang="en-US" sz="1200" dirty="0"/>
+              <a:t>https://github.com/keitaronaruse/Naruse-robotics-tutorial/blob/main/src/matlab/fk_3Link_Planar.m</a:t>
+            </a:r>
           </a:p>
         </p:txBody>
       </p:sp>
@@ -9146,7 +9185,7 @@
           <a:p>
             <a:r>
               <a:rPr kumimoji="1" lang="en-US" altLang="ja-JP"/>
-              <a:t>K.Naruse(UAizu) Robot Arm Forward Kinematics: C++ Coding</a:t>
+              <a:t>K.Naruse(UAizu) Robot Arm Forward Kinematics: Matlab Coding</a:t>
             </a:r>
             <a:endParaRPr kumimoji="1" lang="ja-JP" altLang="en-US"/>
           </a:p>
@@ -9620,6 +9659,45 @@
           </a:p>
         </p:txBody>
       </p:sp>
+      <p:sp>
+        <p:nvSpPr>
+          <p:cNvPr id="12" name="テキスト ボックス 11">
+            <a:extLst>
+              <a:ext uri="{FF2B5EF4-FFF2-40B4-BE49-F238E27FC236}">
+                <a16:creationId xmlns:a16="http://schemas.microsoft.com/office/drawing/2014/main" id="{616FCF42-D4B9-4033-974B-7EFA0A35ED13}"/>
+              </a:ext>
+            </a:extLst>
+          </p:cNvPr>
+          <p:cNvSpPr txBox="1"/>
+          <p:nvPr/>
+        </p:nvSpPr>
+        <p:spPr>
+          <a:xfrm>
+            <a:off x="609600" y="5960313"/>
+            <a:ext cx="11031016" cy="276999"/>
+          </a:xfrm>
+          <a:prstGeom prst="rect">
+            <a:avLst/>
+          </a:prstGeom>
+          <a:noFill/>
+        </p:spPr>
+        <p:txBody>
+          <a:bodyPr wrap="square">
+            <a:spAutoFit/>
+          </a:bodyPr>
+          <a:lstStyle/>
+          <a:p>
+            <a:r>
+              <a:rPr lang="en-US" altLang="ja-JP" sz="1200" dirty="0"/>
+              <a:t>Code is available at </a:t>
+            </a:r>
+            <a:r>
+              <a:rPr lang="ja-JP" altLang="en-US" sz="1200" dirty="0"/>
+              <a:t>https://github.com/keitaronaruse/Naruse-robotics-tutorial/blob/main/src/matlab/fk_3Link_Planar.m</a:t>
+            </a:r>
+          </a:p>
+        </p:txBody>
+      </p:sp>
     </p:spTree>
     <p:extLst>
       <p:ext uri="{BB962C8B-B14F-4D97-AF65-F5344CB8AC3E}">
@@ -9750,7 +9828,7 @@
           <a:p>
             <a:r>
               <a:rPr kumimoji="1" lang="en-US" altLang="ja-JP"/>
-              <a:t>K.Naruse(UAizu) Robot Arm Forward Kinematics: C++ Coding</a:t>
+              <a:t>K.Naruse(UAizu) Robot Arm Forward Kinematics: Matlab Coding</a:t>
             </a:r>
             <a:endParaRPr kumimoji="1" lang="ja-JP" altLang="en-US"/>
           </a:p>

--- a/doc/slides/Robot-Arm-Forward-Kinematics-Matlab-Code.pptx
+++ b/doc/slides/Robot-Arm-Forward-Kinematics-Matlab-Code.pptx
@@ -230,7 +230,7 @@
           <a:p>
             <a:fld id="{9BDC461C-9488-4B33-8404-FB69A384252D}" type="datetimeFigureOut">
               <a:rPr kumimoji="1" lang="ja-JP" altLang="en-US" smtClean="0"/>
-              <a:t>2021/3/15</a:t>
+              <a:t>2021/3/16</a:t>
             </a:fld>
             <a:endParaRPr kumimoji="1" lang="ja-JP" altLang="en-US"/>
           </a:p>
@@ -407,7 +407,7 @@
           <a:p>
             <a:fld id="{4F23D6BA-2164-40E7-BA8B-970E642CDFC3}" type="datetimeFigureOut">
               <a:rPr kumimoji="1" lang="ja-JP" altLang="en-US" smtClean="0"/>
-              <a:t>2021/3/15</a:t>
+              <a:t>2021/3/16</a:t>
             </a:fld>
             <a:endParaRPr kumimoji="1" lang="ja-JP" altLang="en-US"/>
           </a:p>
@@ -8548,7 +8548,7 @@
         <p:spPr>
           <a:xfrm>
             <a:off x="4655840" y="1628800"/>
-            <a:ext cx="6610944" cy="3416320"/>
+            <a:ext cx="6610944" cy="3600986"/>
           </a:xfrm>
           <a:prstGeom prst="rect">
             <a:avLst/>
@@ -8560,6 +8560,15 @@
             <a:spAutoFit/>
           </a:bodyPr>
           <a:lstStyle/>
+          <a:p>
+            <a:r>
+              <a:rPr lang="en-US" altLang="ja-JP" sz="1200" b="1" dirty="0">
+                <a:latin typeface="Courier New" panose="02070309020205020404" pitchFamily="49" charset="0"/>
+                <a:cs typeface="Courier New" panose="02070309020205020404" pitchFamily="49" charset="0"/>
+              </a:rPr>
+              <a:t>fk_3Link_planar.m</a:t>
+            </a:r>
+          </a:p>
           <a:p>
             <a:r>
               <a:rPr lang="en-US" altLang="ja-JP" sz="1200" dirty="0">
@@ -9052,7 +9061,15 @@
             </a:r>
             <a:r>
               <a:rPr lang="ja-JP" altLang="en-US" sz="1200" dirty="0"/>
-              <a:t>https://github.com/keitaronaruse/Naruse-robotics-tutorial/blob/main/src/matlab/fk_3Link_Planar.m</a:t>
+              <a:t>https://github.com/keitaronaruse/Naruse-robotics-tutorial/blob/main/src/matlab/fk_3Link_</a:t>
+            </a:r>
+            <a:r>
+              <a:rPr lang="en-US" altLang="ja-JP" sz="1200" dirty="0"/>
+              <a:t>p</a:t>
+            </a:r>
+            <a:r>
+              <a:rPr lang="ja-JP" altLang="en-US" sz="1200" dirty="0"/>
+              <a:t>lanar.m</a:t>
             </a:r>
           </a:p>
         </p:txBody>
@@ -9235,7 +9252,7 @@
         <p:spPr>
           <a:xfrm>
             <a:off x="4499994" y="1844824"/>
-            <a:ext cx="6610944" cy="2677656"/>
+            <a:ext cx="6610944" cy="2862322"/>
           </a:xfrm>
           <a:prstGeom prst="rect">
             <a:avLst/>
@@ -9247,6 +9264,15 @@
             <a:spAutoFit/>
           </a:bodyPr>
           <a:lstStyle/>
+          <a:p>
+            <a:r>
+              <a:rPr lang="en-US" altLang="ja-JP" sz="1200" b="1" dirty="0">
+                <a:latin typeface="Courier New" panose="02070309020205020404" pitchFamily="49" charset="0"/>
+                <a:cs typeface="Courier New" panose="02070309020205020404" pitchFamily="49" charset="0"/>
+              </a:rPr>
+              <a:t>fk_3Link_planar.m</a:t>
+            </a:r>
+          </a:p>
           <a:p>
             <a:r>
               <a:rPr lang="en-US" altLang="ja-JP" sz="1200" dirty="0">
